--- a/CSS-Topics.pptx
+++ b/CSS-Topics.pptx
@@ -360,7 +360,7 @@
           <a:p>
             <a:fld id="{9184DA70-C731-4C70-880D-CCD4705E623C}" type="datetime1">
               <a:rPr lang="en-US" smtClean="0"/>
-              <a:t>11/11/2023</a:t>
+              <a:t>12/9/2023</a:t>
             </a:fld>
             <a:endParaRPr lang="en-US" dirty="0"/>
           </a:p>
@@ -548,7 +548,7 @@
           <a:p>
             <a:fld id="{B612A279-0833-481D-8C56-F67FD0AC6C50}" type="datetime1">
               <a:rPr lang="en-US" smtClean="0"/>
-              <a:t>11/11/2023</a:t>
+              <a:t>12/9/2023</a:t>
             </a:fld>
             <a:endParaRPr lang="en-US" dirty="0"/>
           </a:p>
@@ -790,7 +790,7 @@
           <a:p>
             <a:fld id="{6587DA83-5663-4C9C-B9AA-0B40A3DAFF81}" type="datetime1">
               <a:rPr lang="en-US" smtClean="0"/>
-              <a:t>11/11/2023</a:t>
+              <a:t>12/9/2023</a:t>
             </a:fld>
             <a:endParaRPr lang="en-US" dirty="0"/>
           </a:p>
@@ -978,7 +978,7 @@
           <a:p>
             <a:fld id="{4BE1D723-8F53-4F53-90B0-1982A396982E}" type="datetime1">
               <a:rPr lang="en-US" smtClean="0"/>
-              <a:t>11/11/2023</a:t>
+              <a:t>12/9/2023</a:t>
             </a:fld>
             <a:endParaRPr lang="en-US" dirty="0"/>
           </a:p>
@@ -1351,7 +1351,7 @@
           <a:p>
             <a:fld id="{97669AF7-7BEB-44E4-9852-375E34362B5B}" type="datetime1">
               <a:rPr lang="en-US" smtClean="0"/>
-              <a:t>11/11/2023</a:t>
+              <a:t>12/9/2023</a:t>
             </a:fld>
             <a:endParaRPr lang="en-US" dirty="0"/>
           </a:p>
@@ -1606,7 +1606,7 @@
           <a:p>
             <a:fld id="{BAAAC38D-0552-4C82-B593-E6124DFADBE2}" type="datetime1">
               <a:rPr lang="en-US" smtClean="0"/>
-              <a:t>11/11/2023</a:t>
+              <a:t>12/9/2023</a:t>
             </a:fld>
             <a:endParaRPr lang="en-US" dirty="0"/>
           </a:p>
@@ -2003,7 +2003,7 @@
           <a:p>
             <a:fld id="{D9DF0F1C-5577-4ACB-BB62-DF8F3C494C7E}" type="datetime1">
               <a:rPr lang="en-US" smtClean="0"/>
-              <a:t>11/11/2023</a:t>
+              <a:t>12/9/2023</a:t>
             </a:fld>
             <a:endParaRPr lang="en-US" dirty="0"/>
           </a:p>
@@ -2139,7 +2139,7 @@
           <a:p>
             <a:fld id="{1775B394-D9F9-4F0C-B15D-605F45CB9E9F}" type="datetime1">
               <a:rPr lang="en-US" smtClean="0"/>
-              <a:t>11/11/2023</a:t>
+              <a:t>12/9/2023</a:t>
             </a:fld>
             <a:endParaRPr lang="en-US" dirty="0"/>
           </a:p>
@@ -2296,7 +2296,7 @@
           <a:p>
             <a:fld id="{39667345-2558-425A-8533-9BFDBCE15005}" type="datetime1">
               <a:rPr lang="en-US" smtClean="0"/>
-              <a:t>11/11/2023</a:t>
+              <a:t>12/9/2023</a:t>
             </a:fld>
             <a:endParaRPr lang="en-US" dirty="0"/>
           </a:p>
@@ -2625,7 +2625,7 @@
           <a:p>
             <a:fld id="{92BEA474-078D-4E9B-9B14-09A87B19DC46}" type="datetime1">
               <a:rPr lang="en-US" smtClean="0"/>
-              <a:t>11/11/2023</a:t>
+              <a:t>12/9/2023</a:t>
             </a:fld>
             <a:endParaRPr lang="en-US" dirty="0"/>
           </a:p>
@@ -2975,7 +2975,7 @@
           <a:p>
             <a:fld id="{4907D986-8816-4272-A432-0437A28A9828}" type="datetime1">
               <a:rPr lang="en-US" smtClean="0"/>
-              <a:t>11/11/2023</a:t>
+              <a:t>12/9/2023</a:t>
             </a:fld>
             <a:endParaRPr lang="en-US" dirty="0"/>
           </a:p>
@@ -3236,7 +3236,7 @@
           <a:p>
             <a:fld id="{62D6E202-B606-4609-B914-27C9371A1F6D}" type="datetime1">
               <a:rPr lang="en-US" smtClean="0"/>
-              <a:t>11/11/2023</a:t>
+              <a:t>12/9/2023</a:t>
             </a:fld>
             <a:endParaRPr lang="en-US" dirty="0"/>
           </a:p>
@@ -4213,13 +4213,8 @@
           <a:p>
             <a:r>
               <a:rPr lang="en-IN" dirty="0"/>
-              <a:t>4) Id Selector – Id is always should be unique to each element, even the same element is repeated. Mainly id are used to pick the element for </a:t>
-            </a:r>
-            <a:r>
-              <a:rPr lang="en-IN" dirty="0" err="1"/>
-              <a:t>javascript</a:t>
-            </a:r>
-            <a:endParaRPr lang="en-IN" dirty="0"/>
+              <a:t>4) Id Selector – Id is always should be unique to each element, even the same element is repeated. Mainly id are used to pick the element for javascript</a:t>
+            </a:r>
           </a:p>
           <a:p>
             <a:endParaRPr lang="en-IN" dirty="0"/>
@@ -4303,7 +4298,7 @@
         <p:spPr/>
         <p:txBody>
           <a:bodyPr>
-            <a:normAutofit lnSpcReduction="10000"/>
+            <a:normAutofit/>
           </a:bodyPr>
           <a:lstStyle/>
           <a:p>
@@ -4353,13 +4348,7 @@
           <a:p>
             <a:r>
               <a:rPr lang="en-IN" dirty="0"/>
-              <a:t>Display : block, inline, inline-block, flex</a:t>
-            </a:r>
-          </a:p>
-          <a:p>
-            <a:r>
-              <a:rPr lang="en-IN" dirty="0"/>
-              <a:t>Grid : grid frame</a:t>
+              <a:t>Display : block, inline, inline-block, flex and grid</a:t>
             </a:r>
           </a:p>
           <a:p>
@@ -4761,35 +4750,6 @@
 </file>
 
 <file path=customXml/item1.xml><?xml version="1.0" encoding="utf-8"?>
-<p:properties xmlns:p="http://schemas.microsoft.com/office/2006/metadata/properties" xmlns:xsi="http://www.w3.org/2001/XMLSchema-instance" xmlns:pc="http://schemas.microsoft.com/office/infopath/2007/PartnerControls">
-  <documentManagement>
-    <_ip_UnifiedCompliancePolicyUIAction xmlns="http://schemas.microsoft.com/sharepoint/v3" xsi:nil="true"/>
-    <Image xmlns="71af3243-3dd4-4a8d-8c0d-dd76da1f02a5">
-      <Url xsi:nil="true"/>
-      <Description xsi:nil="true"/>
-    </Image>
-    <Status xmlns="71af3243-3dd4-4a8d-8c0d-dd76da1f02a5">Not started</Status>
-    <Background xmlns="71af3243-3dd4-4a8d-8c0d-dd76da1f02a5">false</Background>
-    <_ip_UnifiedCompliancePolicyProperties xmlns="http://schemas.microsoft.com/sharepoint/v3" xsi:nil="true"/>
-    <ImageTagsTaxHTField xmlns="71af3243-3dd4-4a8d-8c0d-dd76da1f02a5">
-      <Terms xmlns="http://schemas.microsoft.com/office/infopath/2007/PartnerControls"/>
-    </ImageTagsTaxHTField>
-    <TaxCatchAll xmlns="230e9df3-be65-4c73-a93b-d1236ebd677e" xsi:nil="true"/>
-    <MediaServiceKeyPoints xmlns="71af3243-3dd4-4a8d-8c0d-dd76da1f02a5" xsi:nil="true"/>
-  </documentManagement>
-</p:properties>
-</file>
-
-<file path=customXml/item2.xml><?xml version="1.0" encoding="utf-8"?>
-<?mso-contentType ?>
-<FormTemplates xmlns="http://schemas.microsoft.com/sharepoint/v3/contenttype/forms">
-  <Display>DocumentLibraryForm</Display>
-  <Edit>DocumentLibraryForm</Edit>
-  <New>DocumentLibraryForm</New>
-</FormTemplates>
-</file>
-
-<file path=customXml/item3.xml><?xml version="1.0" encoding="utf-8"?>
 <ct:contentTypeSchema xmlns:ct="http://schemas.microsoft.com/office/2006/metadata/contentType" xmlns:ma="http://schemas.microsoft.com/office/2006/metadata/properties/metaAttributes" ct:_="" ma:_="" ma:contentTypeName="Document" ma:contentTypeID="0x01010079F111ED35F8CC479449609E8A0923A6" ma:contentTypeVersion="27" ma:contentTypeDescription="Create a new document." ma:contentTypeScope="" ma:versionID="c6f9a84f66a9c8b9a21755b9ffafb945">
   <xsd:schema xmlns:xsd="http://www.w3.org/2001/XMLSchema" xmlns:xs="http://www.w3.org/2001/XMLSchema" xmlns:p="http://schemas.microsoft.com/office/2006/metadata/properties" xmlns:ns1="http://schemas.microsoft.com/sharepoint/v3" xmlns:ns2="71af3243-3dd4-4a8d-8c0d-dd76da1f02a5" xmlns:ns3="16c05727-aa75-4e4a-9b5f-8a80a1165891" xmlns:ns4="230e9df3-be65-4c73-a93b-d1236ebd677e" targetNamespace="http://schemas.microsoft.com/office/2006/metadata/properties" ma:root="true" ma:fieldsID="27df39e3e7036dff54f89ddd5805ce72" ns1:_="" ns2:_="" ns3:_="" ns4:_="">
     <xsd:import namespace="http://schemas.microsoft.com/sharepoint/v3"/>
@@ -5095,27 +5055,36 @@
 </ct:contentTypeSchema>
 </file>
 
-<file path=customXml/itemProps1.xml><?xml version="1.0" encoding="utf-8"?>
-<ds:datastoreItem xmlns:ds="http://schemas.openxmlformats.org/officeDocument/2006/customXml" ds:itemID="{6F4F4D41-822D-40F2-A7AC-E4E6CB36CA7A}">
-  <ds:schemaRefs>
-    <ds:schemaRef ds:uri="http://schemas.microsoft.com/office/2006/metadata/properties"/>
-    <ds:schemaRef ds:uri="http://schemas.microsoft.com/office/infopath/2007/PartnerControls"/>
-    <ds:schemaRef ds:uri="http://schemas.microsoft.com/sharepoint/v3"/>
-    <ds:schemaRef ds:uri="71af3243-3dd4-4a8d-8c0d-dd76da1f02a5"/>
-    <ds:schemaRef ds:uri="230e9df3-be65-4c73-a93b-d1236ebd677e"/>
-  </ds:schemaRefs>
-</ds:datastoreItem>
+<file path=customXml/item2.xml><?xml version="1.0" encoding="utf-8"?>
+<?mso-contentType ?>
+<FormTemplates xmlns="http://schemas.microsoft.com/sharepoint/v3/contenttype/forms">
+  <Display>DocumentLibraryForm</Display>
+  <Edit>DocumentLibraryForm</Edit>
+  <New>DocumentLibraryForm</New>
+</FormTemplates>
 </file>
 
-<file path=customXml/itemProps2.xml><?xml version="1.0" encoding="utf-8"?>
-<ds:datastoreItem xmlns:ds="http://schemas.openxmlformats.org/officeDocument/2006/customXml" ds:itemID="{19DAD249-BF80-48EF-9AFB-36A11BCDC2CE}">
-  <ds:schemaRefs>
-    <ds:schemaRef ds:uri="http://schemas.microsoft.com/sharepoint/v3/contenttype/forms"/>
-  </ds:schemaRefs>
-</ds:datastoreItem>
+<file path=customXml/item3.xml><?xml version="1.0" encoding="utf-8"?>
+<p:properties xmlns:p="http://schemas.microsoft.com/office/2006/metadata/properties" xmlns:xsi="http://www.w3.org/2001/XMLSchema-instance" xmlns:pc="http://schemas.microsoft.com/office/infopath/2007/PartnerControls">
+  <documentManagement>
+    <_ip_UnifiedCompliancePolicyUIAction xmlns="http://schemas.microsoft.com/sharepoint/v3" xsi:nil="true"/>
+    <Image xmlns="71af3243-3dd4-4a8d-8c0d-dd76da1f02a5">
+      <Url xsi:nil="true"/>
+      <Description xsi:nil="true"/>
+    </Image>
+    <Status xmlns="71af3243-3dd4-4a8d-8c0d-dd76da1f02a5">Not started</Status>
+    <Background xmlns="71af3243-3dd4-4a8d-8c0d-dd76da1f02a5">false</Background>
+    <_ip_UnifiedCompliancePolicyProperties xmlns="http://schemas.microsoft.com/sharepoint/v3" xsi:nil="true"/>
+    <ImageTagsTaxHTField xmlns="71af3243-3dd4-4a8d-8c0d-dd76da1f02a5">
+      <Terms xmlns="http://schemas.microsoft.com/office/infopath/2007/PartnerControls"/>
+    </ImageTagsTaxHTField>
+    <TaxCatchAll xmlns="230e9df3-be65-4c73-a93b-d1236ebd677e" xsi:nil="true"/>
+    <MediaServiceKeyPoints xmlns="71af3243-3dd4-4a8d-8c0d-dd76da1f02a5" xsi:nil="true"/>
+  </documentManagement>
+</p:properties>
 </file>
 
-<file path=customXml/itemProps3.xml><?xml version="1.0" encoding="utf-8"?>
+<file path=customXml/itemProps1.xml><?xml version="1.0" encoding="utf-8"?>
 <ds:datastoreItem xmlns:ds="http://schemas.openxmlformats.org/officeDocument/2006/customXml" ds:itemID="{C5A59D56-2157-4202-9D02-F44E447A241D}">
   <ds:schemaRefs>
     <ds:schemaRef ds:uri="http://schemas.microsoft.com/office/2006/metadata/contentType"/>
@@ -5134,4 +5103,24 @@
     <ds:schemaRef ds:uri="http://schemas.microsoft.com/internal/obd"/>
   </ds:schemaRefs>
 </ds:datastoreItem>
+</file>
+
+<file path=customXml/itemProps2.xml><?xml version="1.0" encoding="utf-8"?>
+<ds:datastoreItem xmlns:ds="http://schemas.openxmlformats.org/officeDocument/2006/customXml" ds:itemID="{19DAD249-BF80-48EF-9AFB-36A11BCDC2CE}">
+  <ds:schemaRefs>
+    <ds:schemaRef ds:uri="http://schemas.microsoft.com/sharepoint/v3/contenttype/forms"/>
+  </ds:schemaRefs>
+</ds:datastoreItem>
+</file>
+
+<file path=customXml/itemProps3.xml><?xml version="1.0" encoding="utf-8"?>
+<ds:datastoreItem xmlns:ds="http://schemas.openxmlformats.org/officeDocument/2006/customXml" ds:itemID="{6F4F4D41-822D-40F2-A7AC-E4E6CB36CA7A}">
+  <ds:schemaRefs>
+    <ds:schemaRef ds:uri="http://schemas.microsoft.com/office/2006/metadata/properties"/>
+    <ds:schemaRef ds:uri="http://schemas.microsoft.com/office/infopath/2007/PartnerControls"/>
+    <ds:schemaRef ds:uri="http://schemas.microsoft.com/sharepoint/v3"/>
+    <ds:schemaRef ds:uri="71af3243-3dd4-4a8d-8c0d-dd76da1f02a5"/>
+    <ds:schemaRef ds:uri="230e9df3-be65-4c73-a93b-d1236ebd677e"/>
+  </ds:schemaRefs>
+</ds:datastoreItem>
 </file>